--- a/Documentation/CA PPM for Strategic Planning and Execution_PT_v5.pptx
+++ b/Documentation/CA PPM for Strategic Planning and Execution_PT_v5.pptx
@@ -9,10 +9,10 @@
     <p:sldMasterId id="2147483729" r:id="rId8"/>
   </p:sldMasterIdLst>
   <p:notesMasterIdLst>
-    <p:notesMasterId r:id="rId26"/>
+    <p:notesMasterId r:id="rId27"/>
   </p:notesMasterIdLst>
   <p:handoutMasterIdLst>
-    <p:handoutMasterId r:id="rId27"/>
+    <p:handoutMasterId r:id="rId28"/>
   </p:handoutMasterIdLst>
   <p:sldIdLst>
     <p:sldId id="313" r:id="rId9"/>
@@ -20,18 +20,19 @@
     <p:sldId id="315" r:id="rId11"/>
     <p:sldId id="317" r:id="rId12"/>
     <p:sldId id="362" r:id="rId13"/>
-    <p:sldId id="363" r:id="rId14"/>
-    <p:sldId id="364" r:id="rId15"/>
-    <p:sldId id="365" r:id="rId16"/>
-    <p:sldId id="366" r:id="rId17"/>
-    <p:sldId id="367" r:id="rId18"/>
-    <p:sldId id="368" r:id="rId19"/>
-    <p:sldId id="347" r:id="rId20"/>
-    <p:sldId id="369" r:id="rId21"/>
-    <p:sldId id="370" r:id="rId22"/>
-    <p:sldId id="371" r:id="rId23"/>
-    <p:sldId id="372" r:id="rId24"/>
-    <p:sldId id="305" r:id="rId25"/>
+    <p:sldId id="373" r:id="rId14"/>
+    <p:sldId id="363" r:id="rId15"/>
+    <p:sldId id="364" r:id="rId16"/>
+    <p:sldId id="365" r:id="rId17"/>
+    <p:sldId id="366" r:id="rId18"/>
+    <p:sldId id="367" r:id="rId19"/>
+    <p:sldId id="368" r:id="rId20"/>
+    <p:sldId id="347" r:id="rId21"/>
+    <p:sldId id="369" r:id="rId22"/>
+    <p:sldId id="370" r:id="rId23"/>
+    <p:sldId id="371" r:id="rId24"/>
+    <p:sldId id="372" r:id="rId25"/>
+    <p:sldId id="305" r:id="rId26"/>
   </p:sldIdLst>
   <p:sldSz cx="9144000" cy="5148263"/>
   <p:notesSz cx="6858000" cy="9144000"/>
@@ -7873,7 +7874,111 @@
           </a:bodyPr>
           <a:lstStyle/>
           <a:p>
-            <a:endParaRPr lang="en-US" dirty="0" smtClean="0">
+            <a:pPr eaLnBrk="1" hangingPunct="1">
+              <a:spcBef>
+                <a:spcPct val="0"/>
+              </a:spcBef>
+            </a:pPr>
+            <a:r>
+              <a:rPr lang="pt-BR" noProof="0" dirty="0" smtClean="0">
+                <a:latin typeface="CA Sans" pitchFamily="50" charset="0"/>
+              </a:rPr>
+              <a:t>Para facilitar o entendimento, estamos</a:t>
+            </a:r>
+            <a:r>
+              <a:rPr lang="pt-BR" baseline="0" noProof="0" dirty="0" smtClean="0">
+                <a:latin typeface="CA Sans" pitchFamily="50" charset="0"/>
+              </a:rPr>
+              <a:t> apresentando as funcionalidades em quarto grandes blocos que apresentamos aqui na ordem em que normalmente se implementariam: </a:t>
+            </a:r>
+          </a:p>
+          <a:p>
+            <a:pPr marL="228600" indent="-228600" eaLnBrk="1" hangingPunct="1">
+              <a:spcBef>
+                <a:spcPct val="0"/>
+              </a:spcBef>
+              <a:buAutoNum type="arabicParenR"/>
+            </a:pPr>
+            <a:r>
+              <a:rPr lang="pt-BR" baseline="0" noProof="0" dirty="0" smtClean="0">
+                <a:latin typeface="CA Sans" pitchFamily="50" charset="0"/>
+              </a:rPr>
+              <a:t>Mapas Estratégicos contendo itens e Indicadores relacionados</a:t>
+            </a:r>
+          </a:p>
+          <a:p>
+            <a:pPr marL="228600" marR="0" indent="-228600" algn="l" defTabSz="914400" rtl="0" eaLnBrk="1" fontAlgn="auto" latinLnBrk="0" hangingPunct="1">
+              <a:lnSpc>
+                <a:spcPct val="100000"/>
+              </a:lnSpc>
+              <a:spcBef>
+                <a:spcPct val="0"/>
+              </a:spcBef>
+              <a:spcAft>
+                <a:spcPts val="0"/>
+              </a:spcAft>
+              <a:buClrTx/>
+              <a:buSzTx/>
+              <a:buFontTx/>
+              <a:buAutoNum type="arabicParenR"/>
+              <a:tabLst/>
+              <a:defRPr/>
+            </a:pPr>
+            <a:r>
+              <a:rPr lang="pt-BR" baseline="0" noProof="0" dirty="0" smtClean="0">
+                <a:latin typeface="CA Sans" pitchFamily="50" charset="0"/>
+              </a:rPr>
+              <a:t>Acompanhamento ou Revisão das Estratégias</a:t>
+            </a:r>
+            <a:endParaRPr lang="pt-BR" noProof="0" dirty="0" smtClean="0">
+              <a:latin typeface="CA Sans" pitchFamily="50" charset="0"/>
+            </a:endParaRPr>
+          </a:p>
+          <a:p>
+            <a:pPr marL="228600" indent="-228600" eaLnBrk="1" hangingPunct="1">
+              <a:spcBef>
+                <a:spcPct val="0"/>
+              </a:spcBef>
+              <a:buAutoNum type="arabicParenR"/>
+            </a:pPr>
+            <a:r>
+              <a:rPr lang="pt-BR" baseline="0" noProof="0" dirty="0" smtClean="0">
+                <a:latin typeface="CA Sans" pitchFamily="50" charset="0"/>
+              </a:rPr>
+              <a:t>Avaliação de Investimentos para Seleção e Priorização</a:t>
+            </a:r>
+          </a:p>
+          <a:p>
+            <a:pPr marL="228600" marR="0" indent="-228600" algn="l" defTabSz="914400" rtl="0" eaLnBrk="1" fontAlgn="auto" latinLnBrk="0" hangingPunct="1">
+              <a:lnSpc>
+                <a:spcPct val="100000"/>
+              </a:lnSpc>
+              <a:spcBef>
+                <a:spcPct val="0"/>
+              </a:spcBef>
+              <a:spcAft>
+                <a:spcPts val="0"/>
+              </a:spcAft>
+              <a:buClrTx/>
+              <a:buSzTx/>
+              <a:buFontTx/>
+              <a:buAutoNum type="arabicParenR"/>
+              <a:tabLst/>
+              <a:defRPr/>
+            </a:pPr>
+            <a:r>
+              <a:rPr lang="pt-BR" baseline="0" noProof="0" dirty="0" smtClean="0">
+                <a:latin typeface="CA Sans" pitchFamily="50" charset="0"/>
+              </a:rPr>
+              <a:t>Planejamento Top-Down para distribuição de Verba e </a:t>
+            </a:r>
+            <a:r>
+              <a:rPr lang="pt-BR" baseline="0" noProof="0" dirty="0" err="1" smtClean="0">
+                <a:latin typeface="CA Sans" pitchFamily="50" charset="0"/>
+              </a:rPr>
+              <a:t>Headcount</a:t>
+            </a:r>
+            <a:endParaRPr lang="pt-BR" baseline="0" noProof="0" dirty="0" smtClean="0">
               <a:latin typeface="CA Sans" pitchFamily="50" charset="0"/>
             </a:endParaRPr>
           </a:p>
@@ -7882,7 +7987,7 @@
     </p:spTree>
     <p:extLst>
       <p:ext uri="{BB962C8B-B14F-4D97-AF65-F5344CB8AC3E}">
-        <p14:creationId xmlns:p14="http://schemas.microsoft.com/office/powerpoint/2010/main" val="3328952603"/>
+        <p14:creationId xmlns:p14="http://schemas.microsoft.com/office/powerpoint/2010/main" val="2135870413"/>
       </p:ext>
     </p:extLst>
   </p:cSld>
@@ -7962,7 +8067,7 @@
     </p:spTree>
     <p:extLst>
       <p:ext uri="{BB962C8B-B14F-4D97-AF65-F5344CB8AC3E}">
-        <p14:creationId xmlns:p14="http://schemas.microsoft.com/office/powerpoint/2010/main" val="368114194"/>
+        <p14:creationId xmlns:p14="http://schemas.microsoft.com/office/powerpoint/2010/main" val="3328952603"/>
       </p:ext>
     </p:extLst>
   </p:cSld>
@@ -8042,6 +8147,86 @@
     </p:spTree>
     <p:extLst>
       <p:ext uri="{BB962C8B-B14F-4D97-AF65-F5344CB8AC3E}">
+        <p14:creationId xmlns:p14="http://schemas.microsoft.com/office/powerpoint/2010/main" val="368114194"/>
+      </p:ext>
+    </p:extLst>
+  </p:cSld>
+  <p:clrMapOvr>
+    <a:masterClrMapping/>
+  </p:clrMapOvr>
+</p:notes>
+</file>
+
+<file path=ppt/notesSlides/notesSlide13.xml><?xml version="1.0" encoding="utf-8"?>
+<p:notes xmlns:a="http://schemas.openxmlformats.org/drawingml/2006/main" xmlns:r="http://schemas.openxmlformats.org/officeDocument/2006/relationships" xmlns:p="http://schemas.openxmlformats.org/presentationml/2006/main">
+  <p:cSld>
+    <p:spTree>
+      <p:nvGrpSpPr>
+        <p:cNvPr id="1" name=""/>
+        <p:cNvGrpSpPr/>
+        <p:nvPr/>
+      </p:nvGrpSpPr>
+      <p:grpSpPr>
+        <a:xfrm>
+          <a:off x="0" y="0"/>
+          <a:ext cx="0" cy="0"/>
+          <a:chOff x="0" y="0"/>
+          <a:chExt cx="0" cy="0"/>
+        </a:xfrm>
+      </p:grpSpPr>
+      <p:sp>
+        <p:nvSpPr>
+          <p:cNvPr id="23554" name="Rectangle 2"/>
+          <p:cNvSpPr>
+            <a:spLocks noGrp="1" noRot="1" noChangeAspect="1" noChangeArrowheads="1" noTextEdit="1"/>
+          </p:cNvSpPr>
+          <p:nvPr>
+            <p:ph type="sldImg"/>
+          </p:nvPr>
+        </p:nvSpPr>
+        <p:spPr bwMode="auto">
+          <a:noFill/>
+          <a:ln cap="flat">
+            <a:solidFill>
+              <a:srgbClr val="000000"/>
+            </a:solidFill>
+            <a:miter lim="800000"/>
+            <a:headEnd/>
+            <a:tailEnd/>
+          </a:ln>
+        </p:spPr>
+      </p:sp>
+      <p:sp>
+        <p:nvSpPr>
+          <p:cNvPr id="23555" name="Rectangle 3"/>
+          <p:cNvSpPr>
+            <a:spLocks noGrp="1" noChangeArrowheads="1"/>
+          </p:cNvSpPr>
+          <p:nvPr>
+            <p:ph type="body" idx="1"/>
+          </p:nvPr>
+        </p:nvSpPr>
+        <p:spPr>
+          <a:noFill/>
+        </p:spPr>
+        <p:txBody>
+          <a:bodyPr wrap="square" numCol="1" anchor="t" anchorCtr="0" compatLnSpc="1">
+            <a:prstTxWarp prst="textNoShape">
+              <a:avLst/>
+            </a:prstTxWarp>
+            <a:normAutofit/>
+          </a:bodyPr>
+          <a:lstStyle/>
+          <a:p>
+            <a:endParaRPr lang="en-US" dirty="0" smtClean="0">
+              <a:latin typeface="CA Sans" pitchFamily="50" charset="0"/>
+            </a:endParaRPr>
+          </a:p>
+        </p:txBody>
+      </p:sp>
+    </p:spTree>
+    <p:extLst>
+      <p:ext uri="{BB962C8B-B14F-4D97-AF65-F5344CB8AC3E}">
         <p14:creationId xmlns:p14="http://schemas.microsoft.com/office/powerpoint/2010/main" val="2427477219"/>
       </p:ext>
     </p:extLst>
@@ -8052,7 +8237,7 @@
 </p:notes>
 </file>
 
-<file path=ppt/notesSlides/notesSlide13.xml><?xml version="1.0" encoding="utf-8"?>
+<file path=ppt/notesSlides/notesSlide14.xml><?xml version="1.0" encoding="utf-8"?>
 <p:notes xmlns:a="http://schemas.openxmlformats.org/drawingml/2006/main" xmlns:r="http://schemas.openxmlformats.org/officeDocument/2006/relationships" xmlns:p="http://schemas.openxmlformats.org/presentationml/2006/main">
   <p:cSld>
     <p:spTree>
@@ -8434,7 +8619,7 @@
       </p:grpSpPr>
       <p:sp>
         <p:nvSpPr>
-          <p:cNvPr id="23554" name="Rectangle 2"/>
+          <p:cNvPr id="22530" name="Rectangle 2"/>
           <p:cNvSpPr>
             <a:spLocks noGrp="1" noRot="1" noChangeAspect="1" noChangeArrowheads="1" noTextEdit="1"/>
           </p:cNvSpPr>
@@ -8456,7 +8641,7 @@
       </p:sp>
       <p:sp>
         <p:nvSpPr>
-          <p:cNvPr id="23555" name="Rectangle 3"/>
+          <p:cNvPr id="22531" name="Rectangle 3"/>
           <p:cNvSpPr>
             <a:spLocks noGrp="1" noChangeArrowheads="1"/>
           </p:cNvSpPr>
@@ -8476,6 +8661,527 @@
           </a:bodyPr>
           <a:lstStyle/>
           <a:p>
+            <a:pPr eaLnBrk="1" hangingPunct="1">
+              <a:spcBef>
+                <a:spcPct val="0"/>
+              </a:spcBef>
+            </a:pPr>
+            <a:r>
+              <a:rPr lang="en-US" dirty="0" smtClean="0">
+                <a:latin typeface="CA Sans" pitchFamily="50" charset="0"/>
+              </a:rPr>
+              <a:t>O </a:t>
+            </a:r>
+            <a:r>
+              <a:rPr lang="en-US" dirty="0" err="1" smtClean="0">
+                <a:latin typeface="CA Sans" pitchFamily="50" charset="0"/>
+              </a:rPr>
+              <a:t>que</a:t>
+            </a:r>
+            <a:r>
+              <a:rPr lang="en-US" dirty="0" smtClean="0">
+                <a:latin typeface="CA Sans" pitchFamily="50" charset="0"/>
+              </a:rPr>
+              <a:t> </a:t>
+            </a:r>
+            <a:r>
+              <a:rPr lang="en-US" dirty="0" err="1" smtClean="0">
+                <a:latin typeface="CA Sans" pitchFamily="50" charset="0"/>
+              </a:rPr>
+              <a:t>você</a:t>
+            </a:r>
+            <a:r>
+              <a:rPr lang="en-US" dirty="0" smtClean="0">
+                <a:latin typeface="CA Sans" pitchFamily="50" charset="0"/>
+              </a:rPr>
+              <a:t> </a:t>
+            </a:r>
+            <a:r>
+              <a:rPr lang="en-US" dirty="0" err="1" smtClean="0">
+                <a:latin typeface="CA Sans" pitchFamily="50" charset="0"/>
+              </a:rPr>
+              <a:t>vai</a:t>
+            </a:r>
+            <a:r>
+              <a:rPr lang="en-US" dirty="0" smtClean="0">
+                <a:latin typeface="CA Sans" pitchFamily="50" charset="0"/>
+              </a:rPr>
+              <a:t> </a:t>
+            </a:r>
+            <a:r>
+              <a:rPr lang="en-US" dirty="0" err="1" smtClean="0">
+                <a:latin typeface="CA Sans" pitchFamily="50" charset="0"/>
+              </a:rPr>
+              <a:t>ver</a:t>
+            </a:r>
+            <a:r>
+              <a:rPr lang="en-US" dirty="0" smtClean="0">
+                <a:latin typeface="CA Sans" pitchFamily="50" charset="0"/>
+              </a:rPr>
+              <a:t> a </a:t>
+            </a:r>
+            <a:r>
+              <a:rPr lang="en-US" dirty="0" err="1" smtClean="0">
+                <a:latin typeface="CA Sans" pitchFamily="50" charset="0"/>
+              </a:rPr>
+              <a:t>seguir</a:t>
+            </a:r>
+            <a:r>
+              <a:rPr lang="en-US" dirty="0" smtClean="0">
+                <a:latin typeface="CA Sans" pitchFamily="50" charset="0"/>
+              </a:rPr>
+              <a:t> é </a:t>
+            </a:r>
+            <a:r>
+              <a:rPr lang="en-US" dirty="0" err="1" smtClean="0">
+                <a:latin typeface="CA Sans" pitchFamily="50" charset="0"/>
+              </a:rPr>
+              <a:t>uma</a:t>
+            </a:r>
+            <a:r>
+              <a:rPr lang="en-US" dirty="0" smtClean="0">
+                <a:latin typeface="CA Sans" pitchFamily="50" charset="0"/>
+              </a:rPr>
+              <a:t> </a:t>
+            </a:r>
+            <a:r>
+              <a:rPr lang="en-US" dirty="0" err="1" smtClean="0">
+                <a:latin typeface="CA Sans" pitchFamily="50" charset="0"/>
+              </a:rPr>
+              <a:t>ideia</a:t>
+            </a:r>
+            <a:r>
+              <a:rPr lang="en-US" dirty="0" smtClean="0">
+                <a:latin typeface="CA Sans" pitchFamily="50" charset="0"/>
+              </a:rPr>
+              <a:t> de um </a:t>
+            </a:r>
+            <a:r>
+              <a:rPr lang="en-US" dirty="0" err="1" smtClean="0">
+                <a:latin typeface="CA Sans" pitchFamily="50" charset="0"/>
+              </a:rPr>
+              <a:t>conjunto</a:t>
+            </a:r>
+            <a:r>
+              <a:rPr lang="en-US" dirty="0" smtClean="0">
+                <a:latin typeface="CA Sans" pitchFamily="50" charset="0"/>
+              </a:rPr>
+              <a:t> de </a:t>
+            </a:r>
+            <a:r>
+              <a:rPr lang="en-US" dirty="0" err="1" smtClean="0">
+                <a:latin typeface="CA Sans" pitchFamily="50" charset="0"/>
+              </a:rPr>
+              <a:t>funcionalidades</a:t>
+            </a:r>
+            <a:r>
+              <a:rPr lang="en-US" dirty="0" smtClean="0">
+                <a:latin typeface="CA Sans" pitchFamily="50" charset="0"/>
+              </a:rPr>
+              <a:t> </a:t>
+            </a:r>
+            <a:r>
+              <a:rPr lang="en-US" dirty="0" err="1" smtClean="0">
+                <a:latin typeface="CA Sans" pitchFamily="50" charset="0"/>
+              </a:rPr>
+              <a:t>que</a:t>
+            </a:r>
+            <a:r>
+              <a:rPr lang="en-US" dirty="0" smtClean="0">
+                <a:latin typeface="CA Sans" pitchFamily="50" charset="0"/>
+              </a:rPr>
+              <a:t> </a:t>
+            </a:r>
+            <a:r>
+              <a:rPr lang="en-US" dirty="0" err="1" smtClean="0">
+                <a:latin typeface="CA Sans" pitchFamily="50" charset="0"/>
+              </a:rPr>
+              <a:t>poderiam</a:t>
+            </a:r>
+            <a:r>
+              <a:rPr lang="en-US" dirty="0" smtClean="0">
+                <a:latin typeface="CA Sans" pitchFamily="50" charset="0"/>
+              </a:rPr>
+              <a:t> </a:t>
+            </a:r>
+            <a:r>
+              <a:rPr lang="en-US" dirty="0" err="1" smtClean="0">
+                <a:latin typeface="CA Sans" pitchFamily="50" charset="0"/>
+              </a:rPr>
+              <a:t>ser</a:t>
+            </a:r>
+            <a:r>
+              <a:rPr lang="en-US" dirty="0" smtClean="0">
+                <a:latin typeface="CA Sans" pitchFamily="50" charset="0"/>
+              </a:rPr>
+              <a:t> </a:t>
+            </a:r>
+            <a:r>
+              <a:rPr lang="en-US" dirty="0" err="1" smtClean="0">
+                <a:latin typeface="CA Sans" pitchFamily="50" charset="0"/>
+              </a:rPr>
+              <a:t>implementadas</a:t>
+            </a:r>
+            <a:r>
+              <a:rPr lang="en-US" dirty="0" smtClean="0">
+                <a:latin typeface="CA Sans" pitchFamily="50" charset="0"/>
+              </a:rPr>
+              <a:t> para expander as</a:t>
+            </a:r>
+            <a:r>
+              <a:rPr lang="en-US" baseline="0" dirty="0" smtClean="0">
+                <a:latin typeface="CA Sans" pitchFamily="50" charset="0"/>
+              </a:rPr>
+              <a:t> </a:t>
+            </a:r>
+            <a:r>
+              <a:rPr lang="en-US" baseline="0" dirty="0" err="1" smtClean="0">
+                <a:latin typeface="CA Sans" pitchFamily="50" charset="0"/>
+              </a:rPr>
+              <a:t>funcionalidades</a:t>
+            </a:r>
+            <a:r>
+              <a:rPr lang="en-US" baseline="0" dirty="0" smtClean="0">
+                <a:latin typeface="CA Sans" pitchFamily="50" charset="0"/>
+              </a:rPr>
+              <a:t> “</a:t>
+            </a:r>
+            <a:r>
+              <a:rPr lang="en-US" baseline="0" dirty="0" err="1" smtClean="0">
+                <a:latin typeface="CA Sans" pitchFamily="50" charset="0"/>
+              </a:rPr>
+              <a:t>padrão</a:t>
+            </a:r>
+            <a:r>
+              <a:rPr lang="en-US" baseline="0" dirty="0" smtClean="0">
+                <a:latin typeface="CA Sans" pitchFamily="50" charset="0"/>
+              </a:rPr>
+              <a:t>” do CA PPM para </a:t>
+            </a:r>
+            <a:r>
+              <a:rPr lang="en-US" baseline="0" dirty="0" err="1" smtClean="0">
+                <a:latin typeface="CA Sans" pitchFamily="50" charset="0"/>
+              </a:rPr>
+              <a:t>permitir</a:t>
+            </a:r>
+            <a:r>
+              <a:rPr lang="en-US" baseline="0" dirty="0" smtClean="0">
+                <a:latin typeface="CA Sans" pitchFamily="50" charset="0"/>
+              </a:rPr>
+              <a:t> </a:t>
+            </a:r>
+            <a:r>
+              <a:rPr lang="en-US" baseline="0" dirty="0" err="1" smtClean="0">
+                <a:latin typeface="CA Sans" pitchFamily="50" charset="0"/>
+              </a:rPr>
+              <a:t>que</a:t>
+            </a:r>
+            <a:r>
+              <a:rPr lang="en-US" baseline="0" dirty="0" smtClean="0">
+                <a:latin typeface="CA Sans" pitchFamily="50" charset="0"/>
+              </a:rPr>
+              <a:t> o </a:t>
+            </a:r>
+            <a:r>
+              <a:rPr lang="en-US" baseline="0" dirty="0" err="1" smtClean="0">
+                <a:latin typeface="CA Sans" pitchFamily="50" charset="0"/>
+              </a:rPr>
+              <a:t>processo</a:t>
+            </a:r>
+            <a:r>
+              <a:rPr lang="en-US" baseline="0" dirty="0" smtClean="0">
+                <a:latin typeface="CA Sans" pitchFamily="50" charset="0"/>
+              </a:rPr>
+              <a:t> de </a:t>
+            </a:r>
+            <a:r>
+              <a:rPr lang="en-US" baseline="0" dirty="0" err="1" smtClean="0">
+                <a:latin typeface="CA Sans" pitchFamily="50" charset="0"/>
+              </a:rPr>
+              <a:t>definição</a:t>
+            </a:r>
+            <a:r>
+              <a:rPr lang="en-US" baseline="0" dirty="0" smtClean="0">
+                <a:latin typeface="CA Sans" pitchFamily="50" charset="0"/>
+              </a:rPr>
+              <a:t> e </a:t>
+            </a:r>
+            <a:r>
+              <a:rPr lang="en-US" baseline="0" dirty="0" err="1" smtClean="0">
+                <a:latin typeface="CA Sans" pitchFamily="50" charset="0"/>
+              </a:rPr>
+              <a:t>acompanhamento</a:t>
+            </a:r>
+            <a:r>
+              <a:rPr lang="en-US" baseline="0" dirty="0" smtClean="0">
+                <a:latin typeface="CA Sans" pitchFamily="50" charset="0"/>
+              </a:rPr>
+              <a:t> </a:t>
+            </a:r>
+            <a:r>
+              <a:rPr lang="en-US" baseline="0" dirty="0" err="1" smtClean="0">
+                <a:latin typeface="CA Sans" pitchFamily="50" charset="0"/>
+              </a:rPr>
+              <a:t>estratégico</a:t>
+            </a:r>
+            <a:r>
+              <a:rPr lang="en-US" baseline="0" dirty="0" smtClean="0">
+                <a:latin typeface="CA Sans" pitchFamily="50" charset="0"/>
+              </a:rPr>
+              <a:t> </a:t>
+            </a:r>
+            <a:r>
+              <a:rPr lang="en-US" baseline="0" dirty="0" err="1" smtClean="0">
+                <a:latin typeface="CA Sans" pitchFamily="50" charset="0"/>
+              </a:rPr>
+              <a:t>possam</a:t>
+            </a:r>
+            <a:r>
+              <a:rPr lang="en-US" baseline="0" dirty="0" smtClean="0">
+                <a:latin typeface="CA Sans" pitchFamily="50" charset="0"/>
+              </a:rPr>
+              <a:t> </a:t>
+            </a:r>
+            <a:r>
+              <a:rPr lang="en-US" baseline="0" dirty="0" err="1" smtClean="0">
+                <a:latin typeface="CA Sans" pitchFamily="50" charset="0"/>
+              </a:rPr>
+              <a:t>caminhar</a:t>
+            </a:r>
+            <a:r>
+              <a:rPr lang="en-US" baseline="0" dirty="0" smtClean="0">
+                <a:latin typeface="CA Sans" pitchFamily="50" charset="0"/>
+              </a:rPr>
+              <a:t> </a:t>
+            </a:r>
+            <a:r>
+              <a:rPr lang="en-US" baseline="0" dirty="0" err="1" smtClean="0">
+                <a:latin typeface="CA Sans" pitchFamily="50" charset="0"/>
+              </a:rPr>
+              <a:t>lado</a:t>
+            </a:r>
+            <a:r>
+              <a:rPr lang="en-US" baseline="0" dirty="0" smtClean="0">
+                <a:latin typeface="CA Sans" pitchFamily="50" charset="0"/>
+              </a:rPr>
+              <a:t> a </a:t>
+            </a:r>
+            <a:r>
+              <a:rPr lang="en-US" baseline="0" dirty="0" err="1" smtClean="0">
+                <a:latin typeface="CA Sans" pitchFamily="50" charset="0"/>
+              </a:rPr>
+              <a:t>lado</a:t>
+            </a:r>
+            <a:r>
+              <a:rPr lang="en-US" baseline="0" dirty="0" smtClean="0">
+                <a:latin typeface="CA Sans" pitchFamily="50" charset="0"/>
+              </a:rPr>
+              <a:t> com </a:t>
+            </a:r>
+            <a:r>
+              <a:rPr lang="en-US" baseline="0" dirty="0" err="1" smtClean="0">
+                <a:latin typeface="CA Sans" pitchFamily="50" charset="0"/>
+              </a:rPr>
+              <a:t>os</a:t>
+            </a:r>
+            <a:r>
+              <a:rPr lang="en-US" baseline="0" dirty="0" smtClean="0">
+                <a:latin typeface="CA Sans" pitchFamily="50" charset="0"/>
+              </a:rPr>
+              <a:t> </a:t>
+            </a:r>
+            <a:r>
+              <a:rPr lang="en-US" baseline="0" dirty="0" err="1" smtClean="0">
+                <a:latin typeface="CA Sans" pitchFamily="50" charset="0"/>
+              </a:rPr>
+              <a:t>processos</a:t>
+            </a:r>
+            <a:r>
+              <a:rPr lang="en-US" baseline="0" dirty="0" smtClean="0">
+                <a:latin typeface="CA Sans" pitchFamily="50" charset="0"/>
+              </a:rPr>
+              <a:t> de PPM. </a:t>
+            </a:r>
+            <a:r>
+              <a:rPr lang="en-US" baseline="0" dirty="0" err="1" smtClean="0">
+                <a:latin typeface="CA Sans" pitchFamily="50" charset="0"/>
+              </a:rPr>
+              <a:t>Estas</a:t>
+            </a:r>
+            <a:r>
+              <a:rPr lang="en-US" baseline="0" dirty="0" smtClean="0">
+                <a:latin typeface="CA Sans" pitchFamily="50" charset="0"/>
+              </a:rPr>
+              <a:t> </a:t>
+            </a:r>
+            <a:r>
+              <a:rPr lang="en-US" baseline="0" dirty="0" err="1" smtClean="0">
+                <a:latin typeface="CA Sans" pitchFamily="50" charset="0"/>
+              </a:rPr>
+              <a:t>funcionalidades</a:t>
+            </a:r>
+            <a:r>
+              <a:rPr lang="en-US" baseline="0" dirty="0" smtClean="0">
+                <a:latin typeface="CA Sans" pitchFamily="50" charset="0"/>
+              </a:rPr>
+              <a:t> </a:t>
+            </a:r>
+            <a:r>
+              <a:rPr lang="en-US" baseline="0" dirty="0" err="1" smtClean="0">
+                <a:latin typeface="CA Sans" pitchFamily="50" charset="0"/>
+              </a:rPr>
+              <a:t>não</a:t>
+            </a:r>
+            <a:r>
+              <a:rPr lang="en-US" baseline="0" dirty="0" smtClean="0">
+                <a:latin typeface="CA Sans" pitchFamily="50" charset="0"/>
+              </a:rPr>
+              <a:t> </a:t>
+            </a:r>
+            <a:r>
+              <a:rPr lang="en-US" baseline="0" dirty="0" err="1" smtClean="0">
+                <a:latin typeface="CA Sans" pitchFamily="50" charset="0"/>
+              </a:rPr>
+              <a:t>são</a:t>
+            </a:r>
+            <a:r>
+              <a:rPr lang="en-US" baseline="0" dirty="0" smtClean="0">
+                <a:latin typeface="CA Sans" pitchFamily="50" charset="0"/>
+              </a:rPr>
+              <a:t> parte </a:t>
+            </a:r>
+            <a:r>
+              <a:rPr lang="en-US" baseline="0" dirty="0" err="1" smtClean="0">
+                <a:latin typeface="CA Sans" pitchFamily="50" charset="0"/>
+              </a:rPr>
+              <a:t>integrante</a:t>
+            </a:r>
+            <a:r>
+              <a:rPr lang="en-US" baseline="0" dirty="0" smtClean="0">
+                <a:latin typeface="CA Sans" pitchFamily="50" charset="0"/>
+              </a:rPr>
+              <a:t> do CA PPM, mas </a:t>
+            </a:r>
+            <a:r>
+              <a:rPr lang="en-US" baseline="0" dirty="0" err="1" smtClean="0">
+                <a:latin typeface="CA Sans" pitchFamily="50" charset="0"/>
+              </a:rPr>
+              <a:t>podem</a:t>
+            </a:r>
+            <a:r>
+              <a:rPr lang="en-US" baseline="0" dirty="0" smtClean="0">
+                <a:latin typeface="CA Sans" pitchFamily="50" charset="0"/>
+              </a:rPr>
+              <a:t> </a:t>
+            </a:r>
+            <a:r>
+              <a:rPr lang="en-US" baseline="0" dirty="0" err="1" smtClean="0">
+                <a:latin typeface="CA Sans" pitchFamily="50" charset="0"/>
+              </a:rPr>
+              <a:t>ser</a:t>
+            </a:r>
+            <a:r>
+              <a:rPr lang="en-US" baseline="0" dirty="0" smtClean="0">
+                <a:latin typeface="CA Sans" pitchFamily="50" charset="0"/>
+              </a:rPr>
+              <a:t> </a:t>
+            </a:r>
+            <a:r>
+              <a:rPr lang="en-US" baseline="0" dirty="0" err="1" smtClean="0">
+                <a:latin typeface="CA Sans" pitchFamily="50" charset="0"/>
+              </a:rPr>
+              <a:t>implementadas</a:t>
+            </a:r>
+            <a:r>
+              <a:rPr lang="en-US" baseline="0" dirty="0" smtClean="0">
+                <a:latin typeface="CA Sans" pitchFamily="50" charset="0"/>
+              </a:rPr>
+              <a:t> </a:t>
+            </a:r>
+            <a:r>
+              <a:rPr lang="en-US" baseline="0" dirty="0" err="1" smtClean="0">
+                <a:latin typeface="CA Sans" pitchFamily="50" charset="0"/>
+              </a:rPr>
+              <a:t>por</a:t>
+            </a:r>
+            <a:r>
+              <a:rPr lang="en-US" baseline="0" dirty="0" smtClean="0">
+                <a:latin typeface="CA Sans" pitchFamily="50" charset="0"/>
+              </a:rPr>
+              <a:t> </a:t>
+            </a:r>
+            <a:r>
+              <a:rPr lang="en-US" baseline="0" dirty="0" err="1" smtClean="0">
+                <a:latin typeface="CA Sans" pitchFamily="50" charset="0"/>
+              </a:rPr>
+              <a:t>nossa</a:t>
+            </a:r>
+            <a:r>
+              <a:rPr lang="en-US" baseline="0" dirty="0" smtClean="0">
+                <a:latin typeface="CA Sans" pitchFamily="50" charset="0"/>
+              </a:rPr>
+              <a:t> </a:t>
+            </a:r>
+            <a:r>
+              <a:rPr lang="en-US" baseline="0" dirty="0" err="1" smtClean="0">
+                <a:latin typeface="CA Sans" pitchFamily="50" charset="0"/>
+              </a:rPr>
+              <a:t>equipe</a:t>
+            </a:r>
+            <a:r>
+              <a:rPr lang="en-US" baseline="0" dirty="0" smtClean="0">
+                <a:latin typeface="CA Sans" pitchFamily="50" charset="0"/>
+              </a:rPr>
+              <a:t> de </a:t>
+            </a:r>
+            <a:r>
+              <a:rPr lang="en-US" baseline="0" dirty="0" err="1" smtClean="0">
+                <a:latin typeface="CA Sans" pitchFamily="50" charset="0"/>
+              </a:rPr>
+              <a:t>Serviços</a:t>
+            </a:r>
+            <a:r>
+              <a:rPr lang="en-US" baseline="0" dirty="0" smtClean="0">
+                <a:latin typeface="CA Sans" pitchFamily="50" charset="0"/>
+              </a:rPr>
+              <a:t> e </a:t>
+            </a:r>
+            <a:r>
+              <a:rPr lang="en-US" baseline="0" dirty="0" err="1" smtClean="0">
+                <a:latin typeface="CA Sans" pitchFamily="50" charset="0"/>
+              </a:rPr>
+              <a:t>nossos</a:t>
+            </a:r>
+            <a:r>
+              <a:rPr lang="en-US" baseline="0" dirty="0" smtClean="0">
+                <a:latin typeface="CA Sans" pitchFamily="50" charset="0"/>
+              </a:rPr>
+              <a:t> </a:t>
+            </a:r>
+            <a:r>
+              <a:rPr lang="en-US" baseline="0" dirty="0" err="1" smtClean="0">
+                <a:latin typeface="CA Sans" pitchFamily="50" charset="0"/>
+              </a:rPr>
+              <a:t>parceiros</a:t>
+            </a:r>
+            <a:r>
+              <a:rPr lang="en-US" baseline="0" dirty="0" smtClean="0">
+                <a:latin typeface="CA Sans" pitchFamily="50" charset="0"/>
+              </a:rPr>
+              <a:t> </a:t>
+            </a:r>
+            <a:r>
+              <a:rPr lang="en-US" baseline="0" dirty="0" err="1" smtClean="0">
+                <a:latin typeface="CA Sans" pitchFamily="50" charset="0"/>
+              </a:rPr>
+              <a:t>qualificados</a:t>
+            </a:r>
+            <a:r>
+              <a:rPr lang="en-US" baseline="0" dirty="0" smtClean="0">
+                <a:latin typeface="CA Sans" pitchFamily="50" charset="0"/>
+              </a:rPr>
+              <a:t>.</a:t>
+            </a:r>
             <a:endParaRPr lang="en-US" dirty="0" smtClean="0">
               <a:latin typeface="CA Sans" pitchFamily="50" charset="0"/>
             </a:endParaRPr>
@@ -8485,7 +9191,7 @@
     </p:spTree>
     <p:extLst>
       <p:ext uri="{BB962C8B-B14F-4D97-AF65-F5344CB8AC3E}">
-        <p14:creationId xmlns:p14="http://schemas.microsoft.com/office/powerpoint/2010/main" val="179028181"/>
+        <p14:creationId xmlns:p14="http://schemas.microsoft.com/office/powerpoint/2010/main" val="3267315750"/>
       </p:ext>
     </p:extLst>
   </p:cSld>
@@ -8565,7 +9271,7 @@
     </p:spTree>
     <p:extLst>
       <p:ext uri="{BB962C8B-B14F-4D97-AF65-F5344CB8AC3E}">
-        <p14:creationId xmlns:p14="http://schemas.microsoft.com/office/powerpoint/2010/main" val="1479305441"/>
+        <p14:creationId xmlns:p14="http://schemas.microsoft.com/office/powerpoint/2010/main" val="179028181"/>
       </p:ext>
     </p:extLst>
   </p:cSld>
@@ -8645,7 +9351,7 @@
     </p:spTree>
     <p:extLst>
       <p:ext uri="{BB962C8B-B14F-4D97-AF65-F5344CB8AC3E}">
-        <p14:creationId xmlns:p14="http://schemas.microsoft.com/office/powerpoint/2010/main" val="551914084"/>
+        <p14:creationId xmlns:p14="http://schemas.microsoft.com/office/powerpoint/2010/main" val="1479305441"/>
       </p:ext>
     </p:extLst>
   </p:cSld>
@@ -8725,7 +9431,7 @@
     </p:spTree>
     <p:extLst>
       <p:ext uri="{BB962C8B-B14F-4D97-AF65-F5344CB8AC3E}">
-        <p14:creationId xmlns:p14="http://schemas.microsoft.com/office/powerpoint/2010/main" val="2713668521"/>
+        <p14:creationId xmlns:p14="http://schemas.microsoft.com/office/powerpoint/2010/main" val="551914084"/>
       </p:ext>
     </p:extLst>
   </p:cSld>
@@ -8805,7 +9511,7 @@
     </p:spTree>
     <p:extLst>
       <p:ext uri="{BB962C8B-B14F-4D97-AF65-F5344CB8AC3E}">
-        <p14:creationId xmlns:p14="http://schemas.microsoft.com/office/powerpoint/2010/main" val="1517086610"/>
+        <p14:creationId xmlns:p14="http://schemas.microsoft.com/office/powerpoint/2010/main" val="2713668521"/>
       </p:ext>
     </p:extLst>
   </p:cSld>
@@ -8876,111 +9582,7 @@
           </a:bodyPr>
           <a:lstStyle/>
           <a:p>
-            <a:pPr eaLnBrk="1" hangingPunct="1">
-              <a:spcBef>
-                <a:spcPct val="0"/>
-              </a:spcBef>
-            </a:pPr>
-            <a:r>
-              <a:rPr lang="pt-BR" noProof="0" dirty="0" smtClean="0">
-                <a:latin typeface="CA Sans" pitchFamily="50" charset="0"/>
-              </a:rPr>
-              <a:t>Para facilitar o entendimento, estamos</a:t>
-            </a:r>
-            <a:r>
-              <a:rPr lang="pt-BR" baseline="0" noProof="0" dirty="0" smtClean="0">
-                <a:latin typeface="CA Sans" pitchFamily="50" charset="0"/>
-              </a:rPr>
-              <a:t> apresentando as funcionalidades em quarto grandes blocos que apresentamos aqui na ordem em que normalmente se implementariam: </a:t>
-            </a:r>
-          </a:p>
-          <a:p>
-            <a:pPr marL="228600" indent="-228600" eaLnBrk="1" hangingPunct="1">
-              <a:spcBef>
-                <a:spcPct val="0"/>
-              </a:spcBef>
-              <a:buAutoNum type="arabicParenR"/>
-            </a:pPr>
-            <a:r>
-              <a:rPr lang="pt-BR" baseline="0" noProof="0" dirty="0" smtClean="0">
-                <a:latin typeface="CA Sans" pitchFamily="50" charset="0"/>
-              </a:rPr>
-              <a:t>Mapas Estratégicos contendo itens e Indicadores relacionados</a:t>
-            </a:r>
-          </a:p>
-          <a:p>
-            <a:pPr marL="228600" marR="0" indent="-228600" algn="l" defTabSz="914400" rtl="0" eaLnBrk="1" fontAlgn="auto" latinLnBrk="0" hangingPunct="1">
-              <a:lnSpc>
-                <a:spcPct val="100000"/>
-              </a:lnSpc>
-              <a:spcBef>
-                <a:spcPct val="0"/>
-              </a:spcBef>
-              <a:spcAft>
-                <a:spcPts val="0"/>
-              </a:spcAft>
-              <a:buClrTx/>
-              <a:buSzTx/>
-              <a:buFontTx/>
-              <a:buAutoNum type="arabicParenR"/>
-              <a:tabLst/>
-              <a:defRPr/>
-            </a:pPr>
-            <a:r>
-              <a:rPr lang="pt-BR" baseline="0" noProof="0" dirty="0" smtClean="0">
-                <a:latin typeface="CA Sans" pitchFamily="50" charset="0"/>
-              </a:rPr>
-              <a:t>Acompanhamento ou Revisão das Estratégias</a:t>
-            </a:r>
-            <a:endParaRPr lang="pt-BR" noProof="0" dirty="0" smtClean="0">
-              <a:latin typeface="CA Sans" pitchFamily="50" charset="0"/>
-            </a:endParaRPr>
-          </a:p>
-          <a:p>
-            <a:pPr marL="228600" indent="-228600" eaLnBrk="1" hangingPunct="1">
-              <a:spcBef>
-                <a:spcPct val="0"/>
-              </a:spcBef>
-              <a:buAutoNum type="arabicParenR"/>
-            </a:pPr>
-            <a:r>
-              <a:rPr lang="pt-BR" baseline="0" noProof="0" dirty="0" smtClean="0">
-                <a:latin typeface="CA Sans" pitchFamily="50" charset="0"/>
-              </a:rPr>
-              <a:t>Avaliação de Investimentos para Seleção e Priorização</a:t>
-            </a:r>
-          </a:p>
-          <a:p>
-            <a:pPr marL="228600" marR="0" indent="-228600" algn="l" defTabSz="914400" rtl="0" eaLnBrk="1" fontAlgn="auto" latinLnBrk="0" hangingPunct="1">
-              <a:lnSpc>
-                <a:spcPct val="100000"/>
-              </a:lnSpc>
-              <a:spcBef>
-                <a:spcPct val="0"/>
-              </a:spcBef>
-              <a:spcAft>
-                <a:spcPts val="0"/>
-              </a:spcAft>
-              <a:buClrTx/>
-              <a:buSzTx/>
-              <a:buFontTx/>
-              <a:buAutoNum type="arabicParenR"/>
-              <a:tabLst/>
-              <a:defRPr/>
-            </a:pPr>
-            <a:r>
-              <a:rPr lang="pt-BR" baseline="0" noProof="0" dirty="0" smtClean="0">
-                <a:latin typeface="CA Sans" pitchFamily="50" charset="0"/>
-              </a:rPr>
-              <a:t>Planejamento Top-Down para distribuição de Verba e </a:t>
-            </a:r>
-            <a:r>
-              <a:rPr lang="pt-BR" baseline="0" noProof="0" dirty="0" err="1" smtClean="0">
-                <a:latin typeface="CA Sans" pitchFamily="50" charset="0"/>
-              </a:rPr>
-              <a:t>Headcount</a:t>
-            </a:r>
-            <a:endParaRPr lang="pt-BR" baseline="0" noProof="0" dirty="0" smtClean="0">
+            <a:endParaRPr lang="en-US" dirty="0" smtClean="0">
               <a:latin typeface="CA Sans" pitchFamily="50" charset="0"/>
             </a:endParaRPr>
           </a:p>
@@ -8989,7 +9591,7 @@
     </p:spTree>
     <p:extLst>
       <p:ext uri="{BB962C8B-B14F-4D97-AF65-F5344CB8AC3E}">
-        <p14:creationId xmlns:p14="http://schemas.microsoft.com/office/powerpoint/2010/main" val="2135870413"/>
+        <p14:creationId xmlns:p14="http://schemas.microsoft.com/office/powerpoint/2010/main" val="1517086610"/>
       </p:ext>
     </p:extLst>
   </p:cSld>
@@ -17998,6 +18600,371 @@
           </a:p>
         </p:txBody>
       </p:sp>
+      <p:pic>
+        <p:nvPicPr>
+          <p:cNvPr id="5" name="Content Placeholder 4"/>
+          <p:cNvPicPr>
+            <a:picLocks noGrp="1" noChangeAspect="1"/>
+          </p:cNvPicPr>
+          <p:nvPr>
+            <p:ph sz="half" idx="1"/>
+          </p:nvPr>
+        </p:nvPicPr>
+        <p:blipFill>
+          <a:blip r:embed="rId3"/>
+          <a:stretch>
+            <a:fillRect/>
+          </a:stretch>
+        </p:blipFill>
+        <p:spPr>
+          <a:xfrm>
+            <a:off x="457200" y="858045"/>
+            <a:ext cx="4038600" cy="2507976"/>
+          </a:xfrm>
+          <a:prstGeom prst="rect">
+            <a:avLst/>
+          </a:prstGeom>
+        </p:spPr>
+      </p:pic>
+      <p:sp>
+        <p:nvSpPr>
+          <p:cNvPr id="3" name="Text Placeholder 2"/>
+          <p:cNvSpPr>
+            <a:spLocks noGrp="1"/>
+          </p:cNvSpPr>
+          <p:nvPr>
+            <p:ph sz="half" idx="2"/>
+          </p:nvPr>
+        </p:nvSpPr>
+        <p:spPr/>
+        <p:txBody>
+          <a:bodyPr/>
+          <a:lstStyle/>
+          <a:p>
+            <a:pPr>
+              <a:lnSpc>
+                <a:spcPts val="1800"/>
+              </a:lnSpc>
+              <a:spcAft>
+                <a:spcPts val="300"/>
+              </a:spcAft>
+            </a:pPr>
+            <a:r>
+              <a:rPr lang="es-419" sz="1600" dirty="0" smtClean="0"/>
+              <a:t>Crie </a:t>
+            </a:r>
+            <a:r>
+              <a:rPr lang="es-419" sz="1600" dirty="0" smtClean="0">
+                <a:solidFill>
+                  <a:srgbClr val="53BBD4"/>
+                </a:solidFill>
+              </a:rPr>
+              <a:t>Indicadores Estratégicos </a:t>
+            </a:r>
+            <a:r>
+              <a:rPr lang="es-419" sz="1600" dirty="0" smtClean="0"/>
+              <a:t>para </a:t>
+            </a:r>
+            <a:r>
+              <a:rPr lang="es-419" sz="1600" dirty="0" err="1" smtClean="0"/>
+              <a:t>monitorar</a:t>
+            </a:r>
+            <a:r>
+              <a:rPr lang="es-419" sz="1600" dirty="0" smtClean="0"/>
+              <a:t> os resultados de </a:t>
+            </a:r>
+            <a:r>
+              <a:rPr lang="es-419" sz="1600" dirty="0" err="1" smtClean="0"/>
+              <a:t>suas</a:t>
+            </a:r>
+            <a:r>
+              <a:rPr lang="es-419" sz="1600" dirty="0" smtClean="0"/>
+              <a:t> </a:t>
+            </a:r>
+            <a:r>
+              <a:rPr lang="es-419" sz="1600" dirty="0" err="1" smtClean="0"/>
+              <a:t>estratégias</a:t>
+            </a:r>
+            <a:r>
+              <a:rPr lang="en-US" sz="1600" dirty="0" smtClean="0"/>
+              <a:t>;</a:t>
+            </a:r>
+          </a:p>
+          <a:p>
+            <a:pPr>
+              <a:lnSpc>
+                <a:spcPts val="1800"/>
+              </a:lnSpc>
+              <a:spcAft>
+                <a:spcPts val="300"/>
+              </a:spcAft>
+            </a:pPr>
+            <a:r>
+              <a:rPr lang="es-419" sz="1600" dirty="0" smtClean="0"/>
+              <a:t>Defina</a:t>
+            </a:r>
+            <a:r>
+              <a:rPr lang="pt-BR" sz="1600" dirty="0" smtClean="0"/>
+              <a:t> </a:t>
+            </a:r>
+            <a:r>
+              <a:rPr lang="es-419" sz="1600" dirty="0" smtClean="0">
+                <a:solidFill>
+                  <a:srgbClr val="53BBD4"/>
+                </a:solidFill>
+              </a:rPr>
+              <a:t>Metas</a:t>
+            </a:r>
+            <a:r>
+              <a:rPr lang="pt-BR" sz="1600" dirty="0" smtClean="0"/>
+              <a:t> </a:t>
+            </a:r>
+            <a:r>
+              <a:rPr lang="es-419" sz="1600" dirty="0" smtClean="0"/>
+              <a:t>e capture </a:t>
+            </a:r>
+            <a:r>
+              <a:rPr lang="pt-BR" sz="1600" dirty="0" smtClean="0">
+                <a:solidFill>
+                  <a:srgbClr val="53BBD4"/>
+                </a:solidFill>
+              </a:rPr>
+              <a:t>M</a:t>
+            </a:r>
+            <a:r>
+              <a:rPr lang="es-419" sz="1600" dirty="0" err="1" smtClean="0">
+                <a:solidFill>
+                  <a:srgbClr val="53BBD4"/>
+                </a:solidFill>
+              </a:rPr>
+              <a:t>edições</a:t>
+            </a:r>
+            <a:r>
+              <a:rPr lang="pt-BR" sz="1600" dirty="0" smtClean="0"/>
+              <a:t>;</a:t>
+            </a:r>
+            <a:endParaRPr lang="pt-BR" sz="1600" dirty="0"/>
+          </a:p>
+          <a:p>
+            <a:pPr>
+              <a:lnSpc>
+                <a:spcPts val="1800"/>
+              </a:lnSpc>
+              <a:spcAft>
+                <a:spcPts val="300"/>
+              </a:spcAft>
+            </a:pPr>
+            <a:r>
+              <a:rPr lang="es-419" sz="1600" dirty="0" smtClean="0"/>
+              <a:t>Calcule o </a:t>
+            </a:r>
+            <a:r>
+              <a:rPr lang="pt-BR" sz="1600" dirty="0" smtClean="0">
+                <a:solidFill>
+                  <a:srgbClr val="53BBD4"/>
+                </a:solidFill>
+              </a:rPr>
+              <a:t>Status</a:t>
+            </a:r>
+            <a:r>
+              <a:rPr lang="pt-BR" sz="1600" dirty="0" smtClean="0"/>
+              <a:t> </a:t>
+            </a:r>
+            <a:r>
+              <a:rPr lang="es-419" sz="1600" dirty="0" smtClean="0"/>
+              <a:t>resultante de </a:t>
+            </a:r>
+            <a:r>
+              <a:rPr lang="es-419" sz="1600" dirty="0" err="1" smtClean="0"/>
+              <a:t>seus</a:t>
+            </a:r>
+            <a:r>
+              <a:rPr lang="es-419" sz="1600" dirty="0" smtClean="0"/>
+              <a:t> Planos Estratégicos </a:t>
+            </a:r>
+            <a:r>
+              <a:rPr lang="es-419" sz="1600" dirty="0" err="1" smtClean="0"/>
+              <a:t>automaticamente</a:t>
+            </a:r>
+            <a:r>
+              <a:rPr lang="pt-BR" sz="1600" dirty="0" smtClean="0"/>
+              <a:t>;</a:t>
+            </a:r>
+          </a:p>
+          <a:p>
+            <a:pPr>
+              <a:lnSpc>
+                <a:spcPts val="1800"/>
+              </a:lnSpc>
+              <a:spcAft>
+                <a:spcPts val="300"/>
+              </a:spcAft>
+            </a:pPr>
+            <a:r>
+              <a:rPr lang="es-419" sz="1600" dirty="0" smtClean="0"/>
+              <a:t>Indique </a:t>
+            </a:r>
+            <a:r>
+              <a:rPr lang="es-419" sz="1600" dirty="0" err="1" smtClean="0"/>
+              <a:t>relações</a:t>
+            </a:r>
+            <a:r>
+              <a:rPr lang="es-419" sz="1600" dirty="0" smtClean="0"/>
+              <a:t> de Causa-</a:t>
+            </a:r>
+            <a:r>
+              <a:rPr lang="es-419" sz="1600" dirty="0" err="1" smtClean="0"/>
+              <a:t>Consequência</a:t>
+            </a:r>
+            <a:r>
+              <a:rPr lang="es-419" sz="1600" dirty="0" smtClean="0"/>
+              <a:t> usando </a:t>
+            </a:r>
+            <a:r>
+              <a:rPr lang="es-419" sz="1600" dirty="0" err="1" smtClean="0">
+                <a:solidFill>
+                  <a:srgbClr val="53BBD4"/>
+                </a:solidFill>
+              </a:rPr>
+              <a:t>Hierarquia</a:t>
+            </a:r>
+            <a:r>
+              <a:rPr lang="es-419" sz="1600" dirty="0" smtClean="0">
+                <a:solidFill>
+                  <a:srgbClr val="53BBD4"/>
+                </a:solidFill>
+              </a:rPr>
+              <a:t> de Indicadores </a:t>
+            </a:r>
+            <a:r>
+              <a:rPr lang="es-419" sz="1600" dirty="0" smtClean="0"/>
+              <a:t>e veja-as de forma gráfica.</a:t>
+            </a:r>
+            <a:endParaRPr lang="en-US" sz="1600" dirty="0" smtClean="0"/>
+          </a:p>
+        </p:txBody>
+      </p:sp>
+      <p:pic>
+        <p:nvPicPr>
+          <p:cNvPr id="7" name="Picture 6"/>
+          <p:cNvPicPr>
+            <a:picLocks noChangeAspect="1"/>
+          </p:cNvPicPr>
+          <p:nvPr/>
+        </p:nvPicPr>
+        <p:blipFill>
+          <a:blip r:embed="rId4"/>
+          <a:stretch>
+            <a:fillRect/>
+          </a:stretch>
+        </p:blipFill>
+        <p:spPr>
+          <a:xfrm>
+            <a:off x="665093" y="2951332"/>
+            <a:ext cx="3466571" cy="2161792"/>
+          </a:xfrm>
+          <a:prstGeom prst="rect">
+            <a:avLst/>
+          </a:prstGeom>
+        </p:spPr>
+      </p:pic>
+      <p:pic>
+        <p:nvPicPr>
+          <p:cNvPr id="8" name="Picture 7"/>
+          <p:cNvPicPr>
+            <a:picLocks noChangeAspect="1"/>
+          </p:cNvPicPr>
+          <p:nvPr/>
+        </p:nvPicPr>
+        <p:blipFill>
+          <a:blip r:embed="rId5"/>
+          <a:stretch>
+            <a:fillRect/>
+          </a:stretch>
+        </p:blipFill>
+        <p:spPr>
+          <a:xfrm>
+            <a:off x="3553264" y="3578367"/>
+            <a:ext cx="3927915" cy="1439507"/>
+          </a:xfrm>
+          <a:prstGeom prst="rect">
+            <a:avLst/>
+          </a:prstGeom>
+        </p:spPr>
+      </p:pic>
+    </p:spTree>
+    <p:extLst>
+      <p:ext uri="{BB962C8B-B14F-4D97-AF65-F5344CB8AC3E}">
+        <p14:creationId xmlns:p14="http://schemas.microsoft.com/office/powerpoint/2010/main" val="4284028308"/>
+      </p:ext>
+    </p:extLst>
+  </p:cSld>
+  <p:clrMapOvr>
+    <a:masterClrMapping/>
+  </p:clrMapOvr>
+  <mc:AlternateContent xmlns:mc="http://schemas.openxmlformats.org/markup-compatibility/2006" xmlns:p14="http://schemas.microsoft.com/office/powerpoint/2010/main">
+    <mc:Choice Requires="p14">
+      <p:transition spd="slow" p14:dur="2000"/>
+    </mc:Choice>
+    <mc:Fallback xmlns="">
+      <p:transition spd="slow"/>
+    </mc:Fallback>
+  </mc:AlternateContent>
+  <p:timing>
+    <p:tnLst>
+      <p:par>
+        <p:cTn id="1" dur="indefinite" restart="never" nodeType="tmRoot"/>
+      </p:par>
+    </p:tnLst>
+  </p:timing>
+</p:sld>
+</file>
+
+<file path=ppt/slides/slide11.xml><?xml version="1.0" encoding="utf-8"?>
+<p:sld xmlns:a="http://schemas.openxmlformats.org/drawingml/2006/main" xmlns:r="http://schemas.openxmlformats.org/officeDocument/2006/relationships" xmlns:p="http://schemas.openxmlformats.org/presentationml/2006/main">
+  <p:cSld>
+    <p:spTree>
+      <p:nvGrpSpPr>
+        <p:cNvPr id="1" name=""/>
+        <p:cNvGrpSpPr/>
+        <p:nvPr/>
+      </p:nvGrpSpPr>
+      <p:grpSpPr>
+        <a:xfrm>
+          <a:off x="0" y="0"/>
+          <a:ext cx="0" cy="0"/>
+          <a:chOff x="0" y="0"/>
+          <a:chExt cx="0" cy="0"/>
+        </a:xfrm>
+      </p:grpSpPr>
+      <p:sp>
+        <p:nvSpPr>
+          <p:cNvPr id="2" name="Title 1"/>
+          <p:cNvSpPr>
+            <a:spLocks noGrp="1"/>
+          </p:cNvSpPr>
+          <p:nvPr>
+            <p:ph type="title"/>
+          </p:nvPr>
+        </p:nvSpPr>
+        <p:spPr/>
+        <p:txBody>
+          <a:bodyPr vert="horz" lIns="91440" tIns="45720" rIns="91440" bIns="45720" rtlCol="0" anchor="t">
+            <a:noAutofit/>
+          </a:bodyPr>
+          <a:lstStyle/>
+          <a:p>
+            <a:r>
+              <a:rPr lang="en-US" sz="2400" dirty="0" smtClean="0"/>
+              <a:t>CA PPM for Strategic Planning and Execution</a:t>
+            </a:r>
+            <a:br>
+              <a:rPr lang="en-US" sz="2400" dirty="0" smtClean="0"/>
+            </a:br>
+            <a:endParaRPr lang="en-US" sz="2400" dirty="0"/>
+          </a:p>
+        </p:txBody>
+      </p:sp>
       <p:sp>
         <p:nvSpPr>
           <p:cNvPr id="15364" name="Content Placeholder 12"/>
@@ -18260,7 +19227,7 @@
 </p:sld>
 </file>
 
-<file path=ppt/slides/slide11.xml><?xml version="1.0" encoding="utf-8"?>
+<file path=ppt/slides/slide12.xml><?xml version="1.0" encoding="utf-8"?>
 <p:sld xmlns:a="http://schemas.openxmlformats.org/drawingml/2006/main" xmlns:r="http://schemas.openxmlformats.org/officeDocument/2006/relationships" xmlns:p="http://schemas.openxmlformats.org/presentationml/2006/main">
   <p:cSld>
     <p:spTree>
@@ -18399,7 +19366,7 @@
 </p:sld>
 </file>
 
-<file path=ppt/slides/slide12.xml><?xml version="1.0" encoding="utf-8"?>
+<file path=ppt/slides/slide13.xml><?xml version="1.0" encoding="utf-8"?>
 <p:sld xmlns:a="http://schemas.openxmlformats.org/drawingml/2006/main" xmlns:r="http://schemas.openxmlformats.org/officeDocument/2006/relationships" xmlns:p="http://schemas.openxmlformats.org/presentationml/2006/main">
   <p:cSld>
     <p:spTree>
@@ -18530,7 +19497,7 @@
 </p:sld>
 </file>
 
-<file path=ppt/slides/slide13.xml><?xml version="1.0" encoding="utf-8"?>
+<file path=ppt/slides/slide14.xml><?xml version="1.0" encoding="utf-8"?>
 <p:sld xmlns:a="http://schemas.openxmlformats.org/drawingml/2006/main" xmlns:r="http://schemas.openxmlformats.org/officeDocument/2006/relationships" xmlns:p="http://schemas.openxmlformats.org/presentationml/2006/main">
   <p:cSld>
     <p:spTree>
@@ -19349,7 +20316,7 @@
 </p:sld>
 </file>
 
-<file path=ppt/slides/slide14.xml><?xml version="1.0" encoding="utf-8"?>
+<file path=ppt/slides/slide15.xml><?xml version="1.0" encoding="utf-8"?>
 <p:sld xmlns:a="http://schemas.openxmlformats.org/drawingml/2006/main" xmlns:r="http://schemas.openxmlformats.org/officeDocument/2006/relationships" xmlns:p="http://schemas.openxmlformats.org/presentationml/2006/main">
   <p:cSld>
     <p:spTree>
@@ -19998,7 +20965,7 @@
 </p:sld>
 </file>
 
-<file path=ppt/slides/slide15.xml><?xml version="1.0" encoding="utf-8"?>
+<file path=ppt/slides/slide16.xml><?xml version="1.0" encoding="utf-8"?>
 <p:sld xmlns:a="http://schemas.openxmlformats.org/drawingml/2006/main" xmlns:r="http://schemas.openxmlformats.org/officeDocument/2006/relationships" xmlns:p="http://schemas.openxmlformats.org/presentationml/2006/main">
   <p:cSld>
     <p:spTree>
@@ -20527,7 +21494,7 @@
 </p:sld>
 </file>
 
-<file path=ppt/slides/slide16.xml><?xml version="1.0" encoding="utf-8"?>
+<file path=ppt/slides/slide17.xml><?xml version="1.0" encoding="utf-8"?>
 <p:sld xmlns:a="http://schemas.openxmlformats.org/drawingml/2006/main" xmlns:r="http://schemas.openxmlformats.org/officeDocument/2006/relationships" xmlns:p="http://schemas.openxmlformats.org/presentationml/2006/main">
   <p:cSld>
     <p:spTree>
@@ -21116,7 +22083,7 @@
 </p:sld>
 </file>
 
-<file path=ppt/slides/slide17.xml><?xml version="1.0" encoding="utf-8"?>
+<file path=ppt/slides/slide18.xml><?xml version="1.0" encoding="utf-8"?>
 <p:sld xmlns:a="http://schemas.openxmlformats.org/drawingml/2006/main" xmlns:r="http://schemas.openxmlformats.org/officeDocument/2006/relationships" xmlns:p="http://schemas.openxmlformats.org/presentationml/2006/main">
   <p:cSld>
     <p:spTree>
@@ -24422,6 +25389,235 @@
         </p:nvSpPr>
         <p:spPr/>
         <p:txBody>
+          <a:bodyPr/>
+          <a:lstStyle/>
+          <a:p>
+            <a:r>
+              <a:rPr lang="pt-BR" sz="2400" dirty="0" smtClean="0">
+                <a:latin typeface="+mn-lt"/>
+              </a:rPr>
+              <a:t>CA PPM para Execução Estratégica</a:t>
+            </a:r>
+            <a:br>
+              <a:rPr lang="pt-BR" sz="2400" dirty="0" smtClean="0">
+                <a:latin typeface="+mn-lt"/>
+              </a:rPr>
+            </a:br>
+            <a:endParaRPr lang="pt-BR" sz="3600" dirty="0">
+              <a:latin typeface="+mn-lt"/>
+            </a:endParaRPr>
+          </a:p>
+        </p:txBody>
+      </p:sp>
+      <p:sp>
+        <p:nvSpPr>
+          <p:cNvPr id="14340" name="Content Placeholder 12"/>
+          <p:cNvSpPr>
+            <a:spLocks noGrp="1"/>
+          </p:cNvSpPr>
+          <p:nvPr>
+            <p:ph type="body" sz="quarter" idx="10"/>
+          </p:nvPr>
+        </p:nvSpPr>
+        <p:spPr/>
+        <p:txBody>
+          <a:bodyPr>
+            <a:normAutofit/>
+          </a:bodyPr>
+          <a:lstStyle/>
+          <a:p>
+            <a:pPr marL="0" indent="0" algn="just">
+              <a:spcBef>
+                <a:spcPts val="450"/>
+              </a:spcBef>
+              <a:buNone/>
+            </a:pPr>
+            <a:r>
+              <a:rPr lang="pt-BR" sz="1501" dirty="0" smtClean="0"/>
+              <a:t>A seguir, apresentamos algumas ilustrações extraídas do CA PPM, que foi </a:t>
+            </a:r>
+            <a:r>
+              <a:rPr lang="pt-BR" sz="1501" b="1" i="1" dirty="0" smtClean="0">
+                <a:solidFill>
+                  <a:schemeClr val="accent1"/>
+                </a:solidFill>
+              </a:rPr>
+              <a:t>configurado</a:t>
+            </a:r>
+            <a:r>
+              <a:rPr lang="pt-BR" sz="1501" dirty="0" smtClean="0">
+                <a:solidFill>
+                  <a:schemeClr val="accent1"/>
+                </a:solidFill>
+              </a:rPr>
+              <a:t> </a:t>
+            </a:r>
+            <a:r>
+              <a:rPr lang="pt-BR" sz="1501" dirty="0" smtClean="0"/>
+              <a:t>para disponibilizar funcionalidades específicas para o </a:t>
+            </a:r>
+            <a:r>
+              <a:rPr lang="pt-BR" sz="1501" b="1" i="1" dirty="0" smtClean="0">
+                <a:solidFill>
+                  <a:schemeClr val="accent1"/>
+                </a:solidFill>
+              </a:rPr>
+              <a:t>planejamento </a:t>
+            </a:r>
+            <a:r>
+              <a:rPr lang="pt-BR" sz="1501" dirty="0" smtClean="0"/>
+              <a:t>e </a:t>
+            </a:r>
+            <a:r>
+              <a:rPr lang="pt-BR" sz="1501" b="1" i="1" dirty="0" smtClean="0">
+                <a:solidFill>
+                  <a:schemeClr val="accent1"/>
+                </a:solidFill>
+              </a:rPr>
+              <a:t>acompanhamento</a:t>
+            </a:r>
+            <a:r>
+              <a:rPr lang="pt-BR" sz="1501" dirty="0" smtClean="0">
+                <a:solidFill>
+                  <a:schemeClr val="accent1"/>
+                </a:solidFill>
+              </a:rPr>
+              <a:t> </a:t>
+            </a:r>
+            <a:r>
+              <a:rPr lang="pt-BR" sz="1501" dirty="0" smtClean="0"/>
+              <a:t>da </a:t>
+            </a:r>
+            <a:r>
+              <a:rPr lang="pt-BR" sz="1501" b="1" i="1" dirty="0" smtClean="0">
+                <a:solidFill>
+                  <a:schemeClr val="accent1"/>
+                </a:solidFill>
+              </a:rPr>
+              <a:t>Execução Estratégica</a:t>
+            </a:r>
+            <a:r>
+              <a:rPr lang="pt-BR" sz="1501" dirty="0" smtClean="0"/>
+              <a:t>. </a:t>
+            </a:r>
+          </a:p>
+          <a:p>
+            <a:pPr marL="0" indent="0" algn="just">
+              <a:spcBef>
+                <a:spcPts val="450"/>
+              </a:spcBef>
+              <a:buNone/>
+            </a:pPr>
+            <a:endParaRPr lang="pt-BR" sz="1126" dirty="0" smtClean="0"/>
+          </a:p>
+          <a:p>
+            <a:pPr marL="0" indent="0" algn="just">
+              <a:spcBef>
+                <a:spcPts val="450"/>
+              </a:spcBef>
+              <a:buNone/>
+            </a:pPr>
+            <a:r>
+              <a:rPr lang="pt-BR" sz="1126" dirty="0" smtClean="0"/>
+              <a:t>Nota: As funcionalidades que você verá a seguir não são parte integrante das funcionalidades “Core” do CA PPM mas podem ser implementadas através de componentes configurados e customizados. Ajustes  para aderência ao processo real da organização podem e devem ser realizados através da contratação de serviços especializados com CA Services ou com um de nossos Parceiros Qualificados.</a:t>
+            </a:r>
+            <a:endParaRPr lang="pt-BR" sz="1126" dirty="0"/>
+          </a:p>
+        </p:txBody>
+      </p:sp>
+      <p:sp>
+        <p:nvSpPr>
+          <p:cNvPr id="14339" name="Content Placeholder 12"/>
+          <p:cNvSpPr>
+            <a:spLocks noGrp="1"/>
+          </p:cNvSpPr>
+          <p:nvPr>
+            <p:ph sz="quarter" idx="11"/>
+          </p:nvPr>
+        </p:nvSpPr>
+        <p:spPr/>
+        <p:txBody>
+          <a:bodyPr/>
+          <a:lstStyle/>
+          <a:p>
+            <a:pPr marL="175186" indent="-175186">
+              <a:spcBef>
+                <a:spcPts val="450"/>
+              </a:spcBef>
+            </a:pPr>
+            <a:r>
+              <a:rPr lang="pt-BR" sz="1600" b="1" dirty="0" smtClean="0">
+                <a:solidFill>
+                  <a:schemeClr val="tx2"/>
+                </a:solidFill>
+              </a:rPr>
+              <a:t>Visão geral do suporte à Execução Estratégica com o CA PPM</a:t>
+            </a:r>
+            <a:endParaRPr lang="pt-BR" sz="1600" b="1" dirty="0">
+              <a:solidFill>
+                <a:schemeClr val="tx2"/>
+              </a:solidFill>
+            </a:endParaRPr>
+          </a:p>
+        </p:txBody>
+      </p:sp>
+    </p:spTree>
+    <p:extLst>
+      <p:ext uri="{BB962C8B-B14F-4D97-AF65-F5344CB8AC3E}">
+        <p14:creationId xmlns:p14="http://schemas.microsoft.com/office/powerpoint/2010/main" val="3742100167"/>
+      </p:ext>
+    </p:extLst>
+  </p:cSld>
+  <p:clrMapOvr>
+    <a:masterClrMapping/>
+  </p:clrMapOvr>
+  <mc:AlternateContent xmlns:mc="http://schemas.openxmlformats.org/markup-compatibility/2006" xmlns:p14="http://schemas.microsoft.com/office/powerpoint/2010/main">
+    <mc:Choice Requires="p14">
+      <p:transition spd="slow" p14:dur="2000"/>
+    </mc:Choice>
+    <mc:Fallback xmlns="">
+      <p:transition spd="slow"/>
+    </mc:Fallback>
+  </mc:AlternateContent>
+  <p:timing>
+    <p:tnLst>
+      <p:par>
+        <p:cTn id="1" dur="indefinite" restart="never" nodeType="tmRoot"/>
+      </p:par>
+    </p:tnLst>
+  </p:timing>
+</p:sld>
+</file>
+
+<file path=ppt/slides/slide7.xml><?xml version="1.0" encoding="utf-8"?>
+<p:sld xmlns:a="http://schemas.openxmlformats.org/drawingml/2006/main" xmlns:r="http://schemas.openxmlformats.org/officeDocument/2006/relationships" xmlns:p="http://schemas.openxmlformats.org/presentationml/2006/main">
+  <p:cSld>
+    <p:spTree>
+      <p:nvGrpSpPr>
+        <p:cNvPr id="1" name=""/>
+        <p:cNvGrpSpPr/>
+        <p:nvPr/>
+      </p:nvGrpSpPr>
+      <p:grpSpPr>
+        <a:xfrm>
+          <a:off x="0" y="0"/>
+          <a:ext cx="0" cy="0"/>
+          <a:chOff x="0" y="0"/>
+          <a:chExt cx="0" cy="0"/>
+        </a:xfrm>
+      </p:grpSpPr>
+      <p:sp>
+        <p:nvSpPr>
+          <p:cNvPr id="2" name="Title 1"/>
+          <p:cNvSpPr>
+            <a:spLocks noGrp="1"/>
+          </p:cNvSpPr>
+          <p:nvPr>
+            <p:ph type="title"/>
+          </p:nvPr>
+        </p:nvSpPr>
+        <p:spPr/>
+        <p:txBody>
           <a:bodyPr vert="horz" lIns="91440" tIns="45720" rIns="91440" bIns="45720" rtlCol="0" anchor="t">
             <a:noAutofit/>
           </a:bodyPr>
@@ -24733,7 +25929,7 @@
 </p:sld>
 </file>
 
-<file path=ppt/slides/slide7.xml><?xml version="1.0" encoding="utf-8"?>
+<file path=ppt/slides/slide8.xml><?xml version="1.0" encoding="utf-8"?>
 <p:sld xmlns:a="http://schemas.openxmlformats.org/drawingml/2006/main" xmlns:r="http://schemas.openxmlformats.org/officeDocument/2006/relationships" xmlns:p="http://schemas.openxmlformats.org/presentationml/2006/main">
   <p:cSld>
     <p:spTree>
@@ -25112,7 +26308,7 @@
 </p:sld>
 </file>
 
-<file path=ppt/slides/slide8.xml><?xml version="1.0" encoding="utf-8"?>
+<file path=ppt/slides/slide9.xml><?xml version="1.0" encoding="utf-8"?>
 <p:sld xmlns:a="http://schemas.openxmlformats.org/drawingml/2006/main" xmlns:r="http://schemas.openxmlformats.org/officeDocument/2006/relationships" xmlns:p="http://schemas.openxmlformats.org/presentationml/2006/main">
   <p:cSld>
     <p:spTree>
@@ -25478,371 +26674,6 @@
     <p:extLst>
       <p:ext uri="{BB962C8B-B14F-4D97-AF65-F5344CB8AC3E}">
         <p14:creationId xmlns:p14="http://schemas.microsoft.com/office/powerpoint/2010/main" val="1970294428"/>
-      </p:ext>
-    </p:extLst>
-  </p:cSld>
-  <p:clrMapOvr>
-    <a:masterClrMapping/>
-  </p:clrMapOvr>
-  <mc:AlternateContent xmlns:mc="http://schemas.openxmlformats.org/markup-compatibility/2006" xmlns:p14="http://schemas.microsoft.com/office/powerpoint/2010/main">
-    <mc:Choice Requires="p14">
-      <p:transition spd="slow" p14:dur="2000"/>
-    </mc:Choice>
-    <mc:Fallback xmlns="">
-      <p:transition spd="slow"/>
-    </mc:Fallback>
-  </mc:AlternateContent>
-  <p:timing>
-    <p:tnLst>
-      <p:par>
-        <p:cTn id="1" dur="indefinite" restart="never" nodeType="tmRoot"/>
-      </p:par>
-    </p:tnLst>
-  </p:timing>
-</p:sld>
-</file>
-
-<file path=ppt/slides/slide9.xml><?xml version="1.0" encoding="utf-8"?>
-<p:sld xmlns:a="http://schemas.openxmlformats.org/drawingml/2006/main" xmlns:r="http://schemas.openxmlformats.org/officeDocument/2006/relationships" xmlns:p="http://schemas.openxmlformats.org/presentationml/2006/main">
-  <p:cSld>
-    <p:spTree>
-      <p:nvGrpSpPr>
-        <p:cNvPr id="1" name=""/>
-        <p:cNvGrpSpPr/>
-        <p:nvPr/>
-      </p:nvGrpSpPr>
-      <p:grpSpPr>
-        <a:xfrm>
-          <a:off x="0" y="0"/>
-          <a:ext cx="0" cy="0"/>
-          <a:chOff x="0" y="0"/>
-          <a:chExt cx="0" cy="0"/>
-        </a:xfrm>
-      </p:grpSpPr>
-      <p:sp>
-        <p:nvSpPr>
-          <p:cNvPr id="2" name="Title 1"/>
-          <p:cNvSpPr>
-            <a:spLocks noGrp="1"/>
-          </p:cNvSpPr>
-          <p:nvPr>
-            <p:ph type="title"/>
-          </p:nvPr>
-        </p:nvSpPr>
-        <p:spPr/>
-        <p:txBody>
-          <a:bodyPr vert="horz" lIns="91440" tIns="45720" rIns="91440" bIns="45720" rtlCol="0" anchor="t">
-            <a:noAutofit/>
-          </a:bodyPr>
-          <a:lstStyle/>
-          <a:p>
-            <a:r>
-              <a:rPr lang="en-US" sz="2400" dirty="0" smtClean="0"/>
-              <a:t>CA PPM for Strategic Planning and Execution</a:t>
-            </a:r>
-            <a:br>
-              <a:rPr lang="en-US" sz="2400" dirty="0" smtClean="0"/>
-            </a:br>
-            <a:endParaRPr lang="en-US" sz="2400" dirty="0"/>
-          </a:p>
-        </p:txBody>
-      </p:sp>
-      <p:pic>
-        <p:nvPicPr>
-          <p:cNvPr id="5" name="Content Placeholder 4"/>
-          <p:cNvPicPr>
-            <a:picLocks noGrp="1" noChangeAspect="1"/>
-          </p:cNvPicPr>
-          <p:nvPr>
-            <p:ph sz="half" idx="1"/>
-          </p:nvPr>
-        </p:nvPicPr>
-        <p:blipFill>
-          <a:blip r:embed="rId3"/>
-          <a:stretch>
-            <a:fillRect/>
-          </a:stretch>
-        </p:blipFill>
-        <p:spPr>
-          <a:xfrm>
-            <a:off x="457200" y="858045"/>
-            <a:ext cx="4038600" cy="2507976"/>
-          </a:xfrm>
-          <a:prstGeom prst="rect">
-            <a:avLst/>
-          </a:prstGeom>
-        </p:spPr>
-      </p:pic>
-      <p:sp>
-        <p:nvSpPr>
-          <p:cNvPr id="3" name="Text Placeholder 2"/>
-          <p:cNvSpPr>
-            <a:spLocks noGrp="1"/>
-          </p:cNvSpPr>
-          <p:nvPr>
-            <p:ph sz="half" idx="2"/>
-          </p:nvPr>
-        </p:nvSpPr>
-        <p:spPr/>
-        <p:txBody>
-          <a:bodyPr/>
-          <a:lstStyle/>
-          <a:p>
-            <a:pPr>
-              <a:lnSpc>
-                <a:spcPts val="1800"/>
-              </a:lnSpc>
-              <a:spcAft>
-                <a:spcPts val="300"/>
-              </a:spcAft>
-            </a:pPr>
-            <a:r>
-              <a:rPr lang="es-419" sz="1600" dirty="0" smtClean="0"/>
-              <a:t>Crie </a:t>
-            </a:r>
-            <a:r>
-              <a:rPr lang="es-419" sz="1600" dirty="0" smtClean="0">
-                <a:solidFill>
-                  <a:srgbClr val="53BBD4"/>
-                </a:solidFill>
-              </a:rPr>
-              <a:t>Indicadores Estratégicos </a:t>
-            </a:r>
-            <a:r>
-              <a:rPr lang="es-419" sz="1600" dirty="0" smtClean="0"/>
-              <a:t>para </a:t>
-            </a:r>
-            <a:r>
-              <a:rPr lang="es-419" sz="1600" dirty="0" err="1" smtClean="0"/>
-              <a:t>monitorar</a:t>
-            </a:r>
-            <a:r>
-              <a:rPr lang="es-419" sz="1600" dirty="0" smtClean="0"/>
-              <a:t> os resultados de </a:t>
-            </a:r>
-            <a:r>
-              <a:rPr lang="es-419" sz="1600" dirty="0" err="1" smtClean="0"/>
-              <a:t>suas</a:t>
-            </a:r>
-            <a:r>
-              <a:rPr lang="es-419" sz="1600" dirty="0" smtClean="0"/>
-              <a:t> </a:t>
-            </a:r>
-            <a:r>
-              <a:rPr lang="es-419" sz="1600" dirty="0" err="1" smtClean="0"/>
-              <a:t>estratégias</a:t>
-            </a:r>
-            <a:r>
-              <a:rPr lang="en-US" sz="1600" dirty="0" smtClean="0"/>
-              <a:t>;</a:t>
-            </a:r>
-          </a:p>
-          <a:p>
-            <a:pPr>
-              <a:lnSpc>
-                <a:spcPts val="1800"/>
-              </a:lnSpc>
-              <a:spcAft>
-                <a:spcPts val="300"/>
-              </a:spcAft>
-            </a:pPr>
-            <a:r>
-              <a:rPr lang="es-419" sz="1600" dirty="0" smtClean="0"/>
-              <a:t>Defina</a:t>
-            </a:r>
-            <a:r>
-              <a:rPr lang="pt-BR" sz="1600" dirty="0" smtClean="0"/>
-              <a:t> </a:t>
-            </a:r>
-            <a:r>
-              <a:rPr lang="es-419" sz="1600" dirty="0" smtClean="0">
-                <a:solidFill>
-                  <a:srgbClr val="53BBD4"/>
-                </a:solidFill>
-              </a:rPr>
-              <a:t>Metas</a:t>
-            </a:r>
-            <a:r>
-              <a:rPr lang="pt-BR" sz="1600" dirty="0" smtClean="0"/>
-              <a:t> </a:t>
-            </a:r>
-            <a:r>
-              <a:rPr lang="es-419" sz="1600" dirty="0" smtClean="0"/>
-              <a:t>e capture </a:t>
-            </a:r>
-            <a:r>
-              <a:rPr lang="pt-BR" sz="1600" dirty="0" smtClean="0">
-                <a:solidFill>
-                  <a:srgbClr val="53BBD4"/>
-                </a:solidFill>
-              </a:rPr>
-              <a:t>M</a:t>
-            </a:r>
-            <a:r>
-              <a:rPr lang="es-419" sz="1600" dirty="0" err="1" smtClean="0">
-                <a:solidFill>
-                  <a:srgbClr val="53BBD4"/>
-                </a:solidFill>
-              </a:rPr>
-              <a:t>edições</a:t>
-            </a:r>
-            <a:r>
-              <a:rPr lang="pt-BR" sz="1600" dirty="0" smtClean="0"/>
-              <a:t>;</a:t>
-            </a:r>
-            <a:endParaRPr lang="pt-BR" sz="1600" dirty="0"/>
-          </a:p>
-          <a:p>
-            <a:pPr>
-              <a:lnSpc>
-                <a:spcPts val="1800"/>
-              </a:lnSpc>
-              <a:spcAft>
-                <a:spcPts val="300"/>
-              </a:spcAft>
-            </a:pPr>
-            <a:r>
-              <a:rPr lang="es-419" sz="1600" dirty="0" smtClean="0"/>
-              <a:t>Calcule o </a:t>
-            </a:r>
-            <a:r>
-              <a:rPr lang="pt-BR" sz="1600" dirty="0" smtClean="0">
-                <a:solidFill>
-                  <a:srgbClr val="53BBD4"/>
-                </a:solidFill>
-              </a:rPr>
-              <a:t>Status</a:t>
-            </a:r>
-            <a:r>
-              <a:rPr lang="pt-BR" sz="1600" dirty="0" smtClean="0"/>
-              <a:t> </a:t>
-            </a:r>
-            <a:r>
-              <a:rPr lang="es-419" sz="1600" dirty="0" smtClean="0"/>
-              <a:t>resultante de </a:t>
-            </a:r>
-            <a:r>
-              <a:rPr lang="es-419" sz="1600" dirty="0" err="1" smtClean="0"/>
-              <a:t>seus</a:t>
-            </a:r>
-            <a:r>
-              <a:rPr lang="es-419" sz="1600" dirty="0" smtClean="0"/>
-              <a:t> Planos Estratégicos </a:t>
-            </a:r>
-            <a:r>
-              <a:rPr lang="es-419" sz="1600" dirty="0" err="1" smtClean="0"/>
-              <a:t>automaticamente</a:t>
-            </a:r>
-            <a:r>
-              <a:rPr lang="pt-BR" sz="1600" dirty="0" smtClean="0"/>
-              <a:t>;</a:t>
-            </a:r>
-          </a:p>
-          <a:p>
-            <a:pPr>
-              <a:lnSpc>
-                <a:spcPts val="1800"/>
-              </a:lnSpc>
-              <a:spcAft>
-                <a:spcPts val="300"/>
-              </a:spcAft>
-            </a:pPr>
-            <a:r>
-              <a:rPr lang="es-419" sz="1600" dirty="0" smtClean="0"/>
-              <a:t>Indique </a:t>
-            </a:r>
-            <a:r>
-              <a:rPr lang="es-419" sz="1600" dirty="0" err="1" smtClean="0"/>
-              <a:t>relações</a:t>
-            </a:r>
-            <a:r>
-              <a:rPr lang="es-419" sz="1600" dirty="0" smtClean="0"/>
-              <a:t> de Causa-</a:t>
-            </a:r>
-            <a:r>
-              <a:rPr lang="es-419" sz="1600" dirty="0" err="1" smtClean="0"/>
-              <a:t>Consequência</a:t>
-            </a:r>
-            <a:r>
-              <a:rPr lang="es-419" sz="1600" dirty="0" smtClean="0"/>
-              <a:t> usando </a:t>
-            </a:r>
-            <a:r>
-              <a:rPr lang="es-419" sz="1600" dirty="0" err="1" smtClean="0">
-                <a:solidFill>
-                  <a:srgbClr val="53BBD4"/>
-                </a:solidFill>
-              </a:rPr>
-              <a:t>Hierarquia</a:t>
-            </a:r>
-            <a:r>
-              <a:rPr lang="es-419" sz="1600" dirty="0" smtClean="0">
-                <a:solidFill>
-                  <a:srgbClr val="53BBD4"/>
-                </a:solidFill>
-              </a:rPr>
-              <a:t> de Indicadores </a:t>
-            </a:r>
-            <a:r>
-              <a:rPr lang="es-419" sz="1600" dirty="0" smtClean="0"/>
-              <a:t>e veja-as de forma gráfica.</a:t>
-            </a:r>
-            <a:endParaRPr lang="en-US" sz="1600" dirty="0" smtClean="0"/>
-          </a:p>
-        </p:txBody>
-      </p:sp>
-      <p:pic>
-        <p:nvPicPr>
-          <p:cNvPr id="7" name="Picture 6"/>
-          <p:cNvPicPr>
-            <a:picLocks noChangeAspect="1"/>
-          </p:cNvPicPr>
-          <p:nvPr/>
-        </p:nvPicPr>
-        <p:blipFill>
-          <a:blip r:embed="rId4"/>
-          <a:stretch>
-            <a:fillRect/>
-          </a:stretch>
-        </p:blipFill>
-        <p:spPr>
-          <a:xfrm>
-            <a:off x="665093" y="2951332"/>
-            <a:ext cx="3466571" cy="2161792"/>
-          </a:xfrm>
-          <a:prstGeom prst="rect">
-            <a:avLst/>
-          </a:prstGeom>
-        </p:spPr>
-      </p:pic>
-      <p:pic>
-        <p:nvPicPr>
-          <p:cNvPr id="8" name="Picture 7"/>
-          <p:cNvPicPr>
-            <a:picLocks noChangeAspect="1"/>
-          </p:cNvPicPr>
-          <p:nvPr/>
-        </p:nvPicPr>
-        <p:blipFill>
-          <a:blip r:embed="rId5"/>
-          <a:stretch>
-            <a:fillRect/>
-          </a:stretch>
-        </p:blipFill>
-        <p:spPr>
-          <a:xfrm>
-            <a:off x="3553264" y="3578367"/>
-            <a:ext cx="3927915" cy="1439507"/>
-          </a:xfrm>
-          <a:prstGeom prst="rect">
-            <a:avLst/>
-          </a:prstGeom>
-        </p:spPr>
-      </p:pic>
-    </p:spTree>
-    <p:extLst>
-      <p:ext uri="{BB962C8B-B14F-4D97-AF65-F5344CB8AC3E}">
-        <p14:creationId xmlns:p14="http://schemas.microsoft.com/office/powerpoint/2010/main" val="4284028308"/>
       </p:ext>
     </p:extLst>
   </p:cSld>
@@ -28161,30 +28992,6 @@
 </file>
 
 <file path=customXml/item1.xml><?xml version="1.0" encoding="utf-8"?>
-<p:properties xmlns:p="http://schemas.microsoft.com/office/2006/metadata/properties" xmlns:xsi="http://www.w3.org/2001/XMLSchema-instance">
-  <documentManagement>
-    <Font xmlns="dc8eff60-28dd-4404-9dba-e6ba6c545568" xsi:nil="true"/>
-    <RecordType_CA xmlns="dc8eff60-28dd-4404-9dba-e6ba6c545568">Secondary</RecordType_CA>
-    <Category xmlns="dc8eff60-28dd-4404-9dba-e6ba6c545568">Presentation</Category>
-    <PPT_x0020_Type xmlns="dc8eff60-28dd-4404-9dba-e6ba6c545568">Template</PPT_x0020_Type>
-    <PublishingExpirationDate xmlns="http://schemas.microsoft.com/sharepoint/v3" xsi:nil="true"/>
-    <PublishingStartDate xmlns="http://schemas.microsoft.com/sharepoint/v3" xsi:nil="true"/>
-    <Internal_x002f_External xmlns="dc8eff60-28dd-4404-9dba-e6ba6c545568">External</Internal_x002f_External>
-    <Template_x0020_Type xmlns="dc8eff60-28dd-4404-9dba-e6ba6c545568">Presentations</Template_x0020_Type>
-  </documentManagement>
-</p:properties>
-</file>
-
-<file path=customXml/item2.xml><?xml version="1.0" encoding="utf-8"?>
-<?mso-contentType ?>
-<FormTemplates xmlns="http://schemas.microsoft.com/sharepoint/v3/contenttype/forms">
-  <Display>DocumentLibraryForm</Display>
-  <Edit>DocumentLibraryForm</Edit>
-  <New>DocumentLibraryForm</New>
-</FormTemplates>
-</file>
-
-<file path=customXml/item3.xml><?xml version="1.0" encoding="utf-8"?>
 <ct:contentTypeSchema xmlns:ct="http://schemas.microsoft.com/office/2006/metadata/contentType" xmlns:ma="http://schemas.microsoft.com/office/2006/metadata/properties/metaAttributes" ct:_="" ma:_="" ma:contentTypeName="Document" ma:contentTypeID="0x010100D60472418B783044BF2F590CB9E4516B" ma:contentTypeVersion="6" ma:contentTypeDescription="Create a new document." ma:contentTypeScope="" ma:versionID="5c6d91fd6684f55a4bed8b46f4e8fc47">
   <xsd:schema xmlns:xsd="http://www.w3.org/2001/XMLSchema" xmlns:p="http://schemas.microsoft.com/office/2006/metadata/properties" xmlns:ns1="http://schemas.microsoft.com/sharepoint/v3" xmlns:ns2="dc8eff60-28dd-4404-9dba-e6ba6c545568" targetNamespace="http://schemas.microsoft.com/office/2006/metadata/properties" ma:root="true" ma:fieldsID="6bab3289ae11c781e41a2c24b2cfd769" ns1:_="" ns2:_="">
     <xsd:import namespace="http://schemas.microsoft.com/sharepoint/v3"/>
@@ -28317,31 +29124,31 @@
 </ct:contentTypeSchema>
 </file>
 
-<file path=customXml/itemProps1.xml><?xml version="1.0" encoding="utf-8"?>
-<ds:datastoreItem xmlns:ds="http://schemas.openxmlformats.org/officeDocument/2006/customXml" ds:itemID="{6C0CDD92-BFA8-487A-886A-AB5CA827D790}">
-  <ds:schemaRefs>
-    <ds:schemaRef ds:uri="http://schemas.microsoft.com/sharepoint/v3"/>
-    <ds:schemaRef ds:uri="http://purl.org/dc/terms/"/>
-    <ds:schemaRef ds:uri="http://schemas.openxmlformats.org/package/2006/metadata/core-properties"/>
-    <ds:schemaRef ds:uri="http://schemas.microsoft.com/office/2006/documentManagement/types"/>
-    <ds:schemaRef ds:uri="http://purl.org/dc/elements/1.1/"/>
-    <ds:schemaRef ds:uri="http://schemas.microsoft.com/office/2006/metadata/properties"/>
-    <ds:schemaRef ds:uri="dc8eff60-28dd-4404-9dba-e6ba6c545568"/>
-    <ds:schemaRef ds:uri="http://www.w3.org/XML/1998/namespace"/>
-    <ds:schemaRef ds:uri="http://purl.org/dc/dcmitype/"/>
-  </ds:schemaRefs>
-</ds:datastoreItem>
+<file path=customXml/item2.xml><?xml version="1.0" encoding="utf-8"?>
+<?mso-contentType ?>
+<FormTemplates xmlns="http://schemas.microsoft.com/sharepoint/v3/contenttype/forms">
+  <Display>DocumentLibraryForm</Display>
+  <Edit>DocumentLibraryForm</Edit>
+  <New>DocumentLibraryForm</New>
+</FormTemplates>
 </file>
 
-<file path=customXml/itemProps2.xml><?xml version="1.0" encoding="utf-8"?>
-<ds:datastoreItem xmlns:ds="http://schemas.openxmlformats.org/officeDocument/2006/customXml" ds:itemID="{3C7E8C9B-B55C-4026-A315-0168911168B6}">
-  <ds:schemaRefs>
-    <ds:schemaRef ds:uri="http://schemas.microsoft.com/sharepoint/v3/contenttype/forms"/>
-  </ds:schemaRefs>
-</ds:datastoreItem>
+<file path=customXml/item3.xml><?xml version="1.0" encoding="utf-8"?>
+<p:properties xmlns:p="http://schemas.microsoft.com/office/2006/metadata/properties" xmlns:xsi="http://www.w3.org/2001/XMLSchema-instance">
+  <documentManagement>
+    <Font xmlns="dc8eff60-28dd-4404-9dba-e6ba6c545568" xsi:nil="true"/>
+    <RecordType_CA xmlns="dc8eff60-28dd-4404-9dba-e6ba6c545568">Secondary</RecordType_CA>
+    <Category xmlns="dc8eff60-28dd-4404-9dba-e6ba6c545568">Presentation</Category>
+    <PPT_x0020_Type xmlns="dc8eff60-28dd-4404-9dba-e6ba6c545568">Template</PPT_x0020_Type>
+    <PublishingExpirationDate xmlns="http://schemas.microsoft.com/sharepoint/v3" xsi:nil="true"/>
+    <PublishingStartDate xmlns="http://schemas.microsoft.com/sharepoint/v3" xsi:nil="true"/>
+    <Internal_x002f_External xmlns="dc8eff60-28dd-4404-9dba-e6ba6c545568">External</Internal_x002f_External>
+    <Template_x0020_Type xmlns="dc8eff60-28dd-4404-9dba-e6ba6c545568">Presentations</Template_x0020_Type>
+  </documentManagement>
+</p:properties>
 </file>
 
-<file path=customXml/itemProps3.xml><?xml version="1.0" encoding="utf-8"?>
+<file path=customXml/itemProps1.xml><?xml version="1.0" encoding="utf-8"?>
 <ds:datastoreItem xmlns:ds="http://schemas.openxmlformats.org/officeDocument/2006/customXml" ds:itemID="{11384A13-723B-41CC-B63A-F28A48C40641}">
   <ds:schemaRefs>
     <ds:schemaRef ds:uri="http://schemas.microsoft.com/office/2006/metadata/contentType"/>
@@ -28357,4 +29164,28 @@
     <ds:schemaRef ds:uri="http://schemas.microsoft.com/office/internal/2005/internalDocumentation"/>
   </ds:schemaRefs>
 </ds:datastoreItem>
+</file>
+
+<file path=customXml/itemProps2.xml><?xml version="1.0" encoding="utf-8"?>
+<ds:datastoreItem xmlns:ds="http://schemas.openxmlformats.org/officeDocument/2006/customXml" ds:itemID="{3C7E8C9B-B55C-4026-A315-0168911168B6}">
+  <ds:schemaRefs>
+    <ds:schemaRef ds:uri="http://schemas.microsoft.com/sharepoint/v3/contenttype/forms"/>
+  </ds:schemaRefs>
+</ds:datastoreItem>
+</file>
+
+<file path=customXml/itemProps3.xml><?xml version="1.0" encoding="utf-8"?>
+<ds:datastoreItem xmlns:ds="http://schemas.openxmlformats.org/officeDocument/2006/customXml" ds:itemID="{6C0CDD92-BFA8-487A-886A-AB5CA827D790}">
+  <ds:schemaRefs>
+    <ds:schemaRef ds:uri="http://schemas.microsoft.com/sharepoint/v3"/>
+    <ds:schemaRef ds:uri="http://purl.org/dc/terms/"/>
+    <ds:schemaRef ds:uri="http://schemas.openxmlformats.org/package/2006/metadata/core-properties"/>
+    <ds:schemaRef ds:uri="http://schemas.microsoft.com/office/2006/documentManagement/types"/>
+    <ds:schemaRef ds:uri="http://purl.org/dc/elements/1.1/"/>
+    <ds:schemaRef ds:uri="http://schemas.microsoft.com/office/2006/metadata/properties"/>
+    <ds:schemaRef ds:uri="dc8eff60-28dd-4404-9dba-e6ba6c545568"/>
+    <ds:schemaRef ds:uri="http://www.w3.org/XML/1998/namespace"/>
+    <ds:schemaRef ds:uri="http://purl.org/dc/dcmitype/"/>
+  </ds:schemaRefs>
+</ds:datastoreItem>
 </file>